--- a/Additional Files/Task 3.pptx
+++ b/Additional Files/Task 3.pptx
@@ -5,7 +5,7 @@
     <p:sldMasterId id="2147483648" r:id="rId1"/>
   </p:sldMasterIdLst>
   <p:notesMasterIdLst>
-    <p:notesMasterId r:id="rId13"/>
+    <p:notesMasterId r:id="rId14"/>
   </p:notesMasterIdLst>
   <p:sldIdLst>
     <p:sldId id="4778" r:id="rId2"/>
@@ -15,37 +15,38 @@
     <p:sldId id="4781" r:id="rId6"/>
     <p:sldId id="4782" r:id="rId7"/>
     <p:sldId id="4783" r:id="rId8"/>
-    <p:sldId id="4784" r:id="rId9"/>
-    <p:sldId id="4785" r:id="rId10"/>
-    <p:sldId id="4786" r:id="rId11"/>
-    <p:sldId id="275" r:id="rId12"/>
+    <p:sldId id="4787" r:id="rId9"/>
+    <p:sldId id="4784" r:id="rId10"/>
+    <p:sldId id="4785" r:id="rId11"/>
+    <p:sldId id="4786" r:id="rId12"/>
+    <p:sldId id="275" r:id="rId13"/>
   </p:sldIdLst>
   <p:sldSz cx="12192000" cy="6858000"/>
   <p:notesSz cx="6858000" cy="9144000"/>
   <p:embeddedFontLst>
     <p:embeddedFont>
       <p:font typeface="Calibri" panose="020F0502020204030204" pitchFamily="34" charset="0"/>
-      <p:regular r:id="rId14"/>
-      <p:bold r:id="rId15"/>
-      <p:italic r:id="rId16"/>
-      <p:boldItalic r:id="rId17"/>
+      <p:regular r:id="rId15"/>
+      <p:bold r:id="rId16"/>
+      <p:italic r:id="rId17"/>
+      <p:boldItalic r:id="rId18"/>
     </p:embeddedFont>
     <p:embeddedFont>
       <p:font typeface="Roboto" panose="02000000000000000000" pitchFamily="2" charset="0"/>
-      <p:regular r:id="rId18"/>
-      <p:bold r:id="rId19"/>
-      <p:italic r:id="rId20"/>
-      <p:boldItalic r:id="rId21"/>
+      <p:regular r:id="rId19"/>
+      <p:bold r:id="rId20"/>
+      <p:italic r:id="rId21"/>
+      <p:boldItalic r:id="rId22"/>
     </p:embeddedFont>
     <p:embeddedFont>
       <p:font typeface="Roboto Light" panose="02000000000000000000" pitchFamily="2" charset="0"/>
-      <p:regular r:id="rId22"/>
-      <p:italic r:id="rId23"/>
+      <p:regular r:id="rId23"/>
+      <p:italic r:id="rId24"/>
     </p:embeddedFont>
     <p:embeddedFont>
       <p:font typeface="Roboto Medium" panose="02000000000000000000" pitchFamily="2" charset="0"/>
-      <p:regular r:id="rId24"/>
-      <p:italic r:id="rId25"/>
+      <p:regular r:id="rId25"/>
+      <p:italic r:id="rId26"/>
     </p:embeddedFont>
   </p:embeddedFontLst>
   <p:defaultTextStyle>
@@ -155,6 +156,7 @@
             <p14:sldId id="4781"/>
             <p14:sldId id="4782"/>
             <p14:sldId id="4783"/>
+            <p14:sldId id="4787"/>
             <p14:sldId id="4784"/>
             <p14:sldId id="4785"/>
             <p14:sldId id="4786"/>
@@ -259,7 +261,7 @@
           <a:p>
             <a:fld id="{F849F58C-0F99-4EE9-8657-ECB62F226884}" type="datetimeFigureOut">
               <a:rPr lang="en-AU" smtClean="0"/>
-              <a:t>31/07/2023</a:t>
+              <a:t>12/08/2023</a:t>
             </a:fld>
             <a:endParaRPr lang="en-AU" dirty="0"/>
           </a:p>
@@ -975,7 +977,7 @@
           <a:p>
             <a:fld id="{D4566AC9-2A0D-473B-9623-D34100E64E4F}" type="slidenum">
               <a:rPr lang="en-AU" smtClean="0"/>
-              <a:t>11</a:t>
+              <a:t>12</a:t>
             </a:fld>
             <a:endParaRPr lang="en-AU" dirty="0"/>
           </a:p>
@@ -15916,6 +15918,218 @@
           <a:bodyPr/>
           <a:lstStyle/>
           <a:p>
+            <a:pPr marL="342900" indent="-342900" algn="just">
+              <a:buFont typeface="Arial" panose="020B0604020202020204" pitchFamily="34" charset="0"/>
+              <a:buChar char="•"/>
+            </a:pPr>
+            <a:r>
+              <a:rPr lang="en-US" sz="2000" dirty="0"/>
+              <a:t>We can see that Trial store 77 sales for March, and April exceeds 95% threshold of control store. Same goes to store 86 sales March month. Whereas trial store 88 sales increase is insignificant.</a:t>
+            </a:r>
+          </a:p>
+        </p:txBody>
+      </p:sp>
+      <p:pic>
+        <p:nvPicPr>
+          <p:cNvPr id="2" name="Picture 1">
+            <a:extLst>
+              <a:ext uri="{FF2B5EF4-FFF2-40B4-BE49-F238E27FC236}">
+                <a16:creationId xmlns:a16="http://schemas.microsoft.com/office/drawing/2014/main" id="{63E30F50-ED63-4179-A426-2CF2BA3316E2}"/>
+              </a:ext>
+            </a:extLst>
+          </p:cNvPr>
+          <p:cNvPicPr>
+            <a:picLocks noChangeAspect="1"/>
+          </p:cNvPicPr>
+          <p:nvPr/>
+        </p:nvPicPr>
+        <p:blipFill>
+          <a:blip r:embed="rId2"/>
+          <a:stretch>
+            <a:fillRect/>
+          </a:stretch>
+        </p:blipFill>
+        <p:spPr>
+          <a:xfrm>
+            <a:off x="12305402" y="0"/>
+            <a:ext cx="1993565" cy="1822862"/>
+          </a:xfrm>
+          <a:prstGeom prst="rect">
+            <a:avLst/>
+          </a:prstGeom>
+        </p:spPr>
+      </p:pic>
+      <p:pic>
+        <p:nvPicPr>
+          <p:cNvPr id="5" name="Picture 4">
+            <a:extLst>
+              <a:ext uri="{FF2B5EF4-FFF2-40B4-BE49-F238E27FC236}">
+                <a16:creationId xmlns:a16="http://schemas.microsoft.com/office/drawing/2014/main" id="{61AD6269-F0E5-6D6B-DB9E-F08CFCFABF72}"/>
+              </a:ext>
+            </a:extLst>
+          </p:cNvPr>
+          <p:cNvPicPr>
+            <a:picLocks noChangeAspect="1"/>
+          </p:cNvPicPr>
+          <p:nvPr/>
+        </p:nvPicPr>
+        <p:blipFill>
+          <a:blip r:embed="rId3">
+            <a:extLst>
+              <a:ext uri="{28A0092B-C50C-407E-A947-70E740481C1C}">
+                <a14:useLocalDpi xmlns:a14="http://schemas.microsoft.com/office/drawing/2010/main" val="0"/>
+              </a:ext>
+            </a:extLst>
+          </a:blip>
+          <a:stretch>
+            <a:fillRect/>
+          </a:stretch>
+        </p:blipFill>
+        <p:spPr>
+          <a:xfrm>
+            <a:off x="805058" y="1832249"/>
+            <a:ext cx="3639123" cy="3003180"/>
+          </a:xfrm>
+          <a:prstGeom prst="rect">
+            <a:avLst/>
+          </a:prstGeom>
+        </p:spPr>
+      </p:pic>
+      <p:pic>
+        <p:nvPicPr>
+          <p:cNvPr id="7" name="Picture 6">
+            <a:extLst>
+              <a:ext uri="{FF2B5EF4-FFF2-40B4-BE49-F238E27FC236}">
+                <a16:creationId xmlns:a16="http://schemas.microsoft.com/office/drawing/2014/main" id="{FF62F176-59DB-FB24-4F78-079291FF0A45}"/>
+              </a:ext>
+            </a:extLst>
+          </p:cNvPr>
+          <p:cNvPicPr>
+            <a:picLocks noChangeAspect="1"/>
+          </p:cNvPicPr>
+          <p:nvPr/>
+        </p:nvPicPr>
+        <p:blipFill>
+          <a:blip r:embed="rId4">
+            <a:extLst>
+              <a:ext uri="{28A0092B-C50C-407E-A947-70E740481C1C}">
+                <a14:useLocalDpi xmlns:a14="http://schemas.microsoft.com/office/drawing/2010/main" val="0"/>
+              </a:ext>
+            </a:extLst>
+          </a:blip>
+          <a:stretch>
+            <a:fillRect/>
+          </a:stretch>
+        </p:blipFill>
+        <p:spPr>
+          <a:xfrm>
+            <a:off x="4689987" y="1832248"/>
+            <a:ext cx="3639123" cy="3003181"/>
+          </a:xfrm>
+          <a:prstGeom prst="rect">
+            <a:avLst/>
+          </a:prstGeom>
+        </p:spPr>
+      </p:pic>
+      <p:pic>
+        <p:nvPicPr>
+          <p:cNvPr id="9" name="Picture 8">
+            <a:extLst>
+              <a:ext uri="{FF2B5EF4-FFF2-40B4-BE49-F238E27FC236}">
+                <a16:creationId xmlns:a16="http://schemas.microsoft.com/office/drawing/2014/main" id="{627C353B-0987-E11E-6753-BE2CE5A68E57}"/>
+              </a:ext>
+            </a:extLst>
+          </p:cNvPr>
+          <p:cNvPicPr>
+            <a:picLocks noChangeAspect="1"/>
+          </p:cNvPicPr>
+          <p:nvPr/>
+        </p:nvPicPr>
+        <p:blipFill>
+          <a:blip r:embed="rId5">
+            <a:extLst>
+              <a:ext uri="{28A0092B-C50C-407E-A947-70E740481C1C}">
+                <a14:useLocalDpi xmlns:a14="http://schemas.microsoft.com/office/drawing/2010/main" val="0"/>
+              </a:ext>
+            </a:extLst>
+          </a:blip>
+          <a:stretch>
+            <a:fillRect/>
+          </a:stretch>
+        </p:blipFill>
+        <p:spPr>
+          <a:xfrm>
+            <a:off x="8423239" y="1832248"/>
+            <a:ext cx="3639123" cy="3003181"/>
+          </a:xfrm>
+          <a:prstGeom prst="rect">
+            <a:avLst/>
+          </a:prstGeom>
+        </p:spPr>
+      </p:pic>
+    </p:spTree>
+    <p:extLst>
+      <p:ext uri="{BB962C8B-B14F-4D97-AF65-F5344CB8AC3E}">
+        <p14:creationId xmlns:p14="http://schemas.microsoft.com/office/powerpoint/2010/main" val="523037342"/>
+      </p:ext>
+    </p:extLst>
+  </p:cSld>
+  <p:clrMapOvr>
+    <a:masterClrMapping/>
+  </p:clrMapOvr>
+  <mc:AlternateContent xmlns:mc="http://schemas.openxmlformats.org/markup-compatibility/2006" xmlns:p14="http://schemas.microsoft.com/office/powerpoint/2010/main">
+    <mc:Choice Requires="p14">
+      <p:transition spd="med" p14:dur="700">
+        <p:fade/>
+      </p:transition>
+    </mc:Choice>
+    <mc:Fallback xmlns="">
+      <p:transition spd="med">
+        <p:fade/>
+      </p:transition>
+    </mc:Fallback>
+  </mc:AlternateContent>
+</p:sld>
+</file>
+
+<file path=ppt/slides/slide11.xml><?xml version="1.0" encoding="utf-8"?>
+<p:sld xmlns:a="http://schemas.openxmlformats.org/drawingml/2006/main" xmlns:r="http://schemas.openxmlformats.org/officeDocument/2006/relationships" xmlns:p="http://schemas.openxmlformats.org/presentationml/2006/main">
+  <p:cSld>
+    <p:spTree>
+      <p:nvGrpSpPr>
+        <p:cNvPr id="1" name=""/>
+        <p:cNvGrpSpPr/>
+        <p:nvPr/>
+      </p:nvGrpSpPr>
+      <p:grpSpPr>
+        <a:xfrm>
+          <a:off x="0" y="0"/>
+          <a:ext cx="0" cy="0"/>
+          <a:chOff x="0" y="0"/>
+          <a:chExt cx="0" cy="0"/>
+        </a:xfrm>
+      </p:grpSpPr>
+      <p:sp>
+        <p:nvSpPr>
+          <p:cNvPr id="4" name="Text Placeholder 3">
+            <a:extLst>
+              <a:ext uri="{FF2B5EF4-FFF2-40B4-BE49-F238E27FC236}">
+                <a16:creationId xmlns:a16="http://schemas.microsoft.com/office/drawing/2014/main" id="{AE016588-9575-44B2-BAA3-5937B6A9EDA0}"/>
+              </a:ext>
+            </a:extLst>
+          </p:cNvPr>
+          <p:cNvSpPr>
+            <a:spLocks noGrp="1"/>
+          </p:cNvSpPr>
+          <p:nvPr>
+            <p:ph type="body" sz="quarter" idx="10"/>
+          </p:nvPr>
+        </p:nvSpPr>
+        <p:spPr/>
+        <p:txBody>
+          <a:bodyPr/>
+          <a:lstStyle/>
+          <a:p>
             <a:pPr marL="457200" indent="-457200">
               <a:buFont typeface="Arial" panose="020B0604020202020204" pitchFamily="34" charset="0"/>
               <a:buChar char="•"/>
@@ -16090,7 +16304,7 @@
 </p:sld>
 </file>
 
-<file path=ppt/slides/slide11.xml><?xml version="1.0" encoding="utf-8"?>
+<file path=ppt/slides/slide12.xml><?xml version="1.0" encoding="utf-8"?>
 <p:sld xmlns:a="http://schemas.openxmlformats.org/drawingml/2006/main" xmlns:r="http://schemas.openxmlformats.org/officeDocument/2006/relationships" xmlns:p="http://schemas.openxmlformats.org/presentationml/2006/main">
   <p:cSld>
     <p:spTree>
@@ -16513,40 +16727,11 @@
                 <a:latin typeface="Roboto Light" panose="02000000000000000000" pitchFamily="2" charset="0"/>
                 <a:ea typeface="Roboto Light" panose="02000000000000000000" pitchFamily="2" charset="0"/>
               </a:rPr>
-              <a:t>Older singles/couples account for max total sales.</a:t>
+              <a:t>Budget customers in Older Families account for max total sales.</a:t>
             </a:r>
           </a:p>
           <a:p>
-            <a:pPr marL="171450" indent="-171450" algn="l">
-              <a:buFont typeface="Arial" panose="020B0604020202020204" pitchFamily="34" charset="0"/>
-              <a:buChar char="•"/>
-            </a:pPr>
-            <a:r>
-              <a:rPr lang="en-AU" sz="1200" dirty="0">
-                <a:latin typeface="Roboto Light" panose="02000000000000000000" pitchFamily="2" charset="0"/>
-                <a:ea typeface="Roboto Light" panose="02000000000000000000" pitchFamily="2" charset="0"/>
-              </a:rPr>
-              <a:t>There are mostly budget older singles/couples in customer segment.</a:t>
-            </a:r>
-          </a:p>
-          <a:p>
-            <a:pPr marL="171450" indent="-171450" algn="l">
-              <a:buFont typeface="Arial" panose="020B0604020202020204" pitchFamily="34" charset="0"/>
-              <a:buChar char="•"/>
-            </a:pPr>
-            <a:r>
-              <a:rPr lang="en-AU" sz="1200" dirty="0">
-                <a:latin typeface="Roboto Light" panose="02000000000000000000" pitchFamily="2" charset="0"/>
-                <a:ea typeface="Roboto Light" panose="02000000000000000000" pitchFamily="2" charset="0"/>
-              </a:rPr>
-              <a:t>Overall there are mostly mainstream customer in customer segment</a:t>
-            </a:r>
-          </a:p>
-          <a:p>
-            <a:pPr marL="171450" indent="-171450" algn="l">
-              <a:buFont typeface="Arial" panose="020B0604020202020204" pitchFamily="34" charset="0"/>
-              <a:buChar char="•"/>
-            </a:pPr>
+            <a:pPr algn="l"/>
             <a:endParaRPr lang="en-AU" sz="1200" dirty="0">
               <a:latin typeface="Roboto Light" panose="02000000000000000000" pitchFamily="2" charset="0"/>
               <a:ea typeface="Roboto Light" panose="02000000000000000000" pitchFamily="2" charset="0"/>
@@ -17110,7 +17295,7 @@
           <a:p>
             <a:r>
               <a:rPr lang="en-AU" sz="2000" dirty="0"/>
-              <a:t>Older singles/couples account for the max of total sales. Mostly there are budget customers in the above life-stage category.</a:t>
+              <a:t>Budget customers in Older Families account for the max of total sales. This is followed by Mainstream customers in Young singles/couples and Retirees</a:t>
             </a:r>
           </a:p>
         </p:txBody>
@@ -18665,10 +18850,10 @@
       </p:pic>
       <p:pic>
         <p:nvPicPr>
-          <p:cNvPr id="6" name="Picture 5">
+          <p:cNvPr id="11" name="Picture 10">
             <a:extLst>
               <a:ext uri="{FF2B5EF4-FFF2-40B4-BE49-F238E27FC236}">
-                <a16:creationId xmlns:a16="http://schemas.microsoft.com/office/drawing/2014/main" id="{D902B525-F727-47C9-7282-D235142C7EC8}"/>
+                <a16:creationId xmlns:a16="http://schemas.microsoft.com/office/drawing/2014/main" id="{7A367AD0-E425-A215-1B96-C3BD432F21D9}"/>
               </a:ext>
             </a:extLst>
           </p:cNvPr>
@@ -18691,44 +18876,8 @@
         </p:blipFill>
         <p:spPr>
           <a:xfrm>
-            <a:off x="911149" y="1420315"/>
-            <a:ext cx="5705961" cy="4233680"/>
-          </a:xfrm>
-          <a:prstGeom prst="rect">
-            <a:avLst/>
-          </a:prstGeom>
-        </p:spPr>
-      </p:pic>
-      <p:pic>
-        <p:nvPicPr>
-          <p:cNvPr id="12" name="Picture 11">
-            <a:extLst>
-              <a:ext uri="{FF2B5EF4-FFF2-40B4-BE49-F238E27FC236}">
-                <a16:creationId xmlns:a16="http://schemas.microsoft.com/office/drawing/2014/main" id="{ECF02A57-F8AD-12CE-9392-280FC6209B33}"/>
-              </a:ext>
-            </a:extLst>
-          </p:cNvPr>
-          <p:cNvPicPr>
-            <a:picLocks noChangeAspect="1"/>
-          </p:cNvPicPr>
-          <p:nvPr/>
-        </p:nvPicPr>
-        <p:blipFill>
-          <a:blip r:embed="rId4">
-            <a:extLst>
-              <a:ext uri="{28A0092B-C50C-407E-A947-70E740481C1C}">
-                <a14:useLocalDpi xmlns:a14="http://schemas.microsoft.com/office/drawing/2010/main" val="0"/>
-              </a:ext>
-            </a:extLst>
-          </a:blip>
-          <a:stretch>
-            <a:fillRect/>
-          </a:stretch>
-        </p:blipFill>
-        <p:spPr>
-          <a:xfrm>
-            <a:off x="6190164" y="1420315"/>
-            <a:ext cx="5486411" cy="4233680"/>
+            <a:off x="2025249" y="1277771"/>
+            <a:ext cx="8465992" cy="4589876"/>
           </a:xfrm>
           <a:prstGeom prst="rect">
             <a:avLst/>
@@ -18761,6 +18910,144 @@
 </file>
 
 <file path=ppt/slides/slide8.xml><?xml version="1.0" encoding="utf-8"?>
+<p:sld xmlns:a="http://schemas.openxmlformats.org/drawingml/2006/main" xmlns:r="http://schemas.openxmlformats.org/officeDocument/2006/relationships" xmlns:p="http://schemas.openxmlformats.org/presentationml/2006/main">
+  <p:cSld>
+    <p:spTree>
+      <p:nvGrpSpPr>
+        <p:cNvPr id="1" name=""/>
+        <p:cNvGrpSpPr/>
+        <p:nvPr/>
+      </p:nvGrpSpPr>
+      <p:grpSpPr>
+        <a:xfrm>
+          <a:off x="0" y="0"/>
+          <a:ext cx="0" cy="0"/>
+          <a:chOff x="0" y="0"/>
+          <a:chExt cx="0" cy="0"/>
+        </a:xfrm>
+      </p:grpSpPr>
+      <p:pic>
+        <p:nvPicPr>
+          <p:cNvPr id="4" name="Picture 3">
+            <a:extLst>
+              <a:ext uri="{FF2B5EF4-FFF2-40B4-BE49-F238E27FC236}">
+                <a16:creationId xmlns:a16="http://schemas.microsoft.com/office/drawing/2014/main" id="{16CB3DB2-3F67-78B9-E019-9341B64E4001}"/>
+              </a:ext>
+            </a:extLst>
+          </p:cNvPr>
+          <p:cNvPicPr>
+            <a:picLocks noChangeAspect="1"/>
+          </p:cNvPicPr>
+          <p:nvPr/>
+        </p:nvPicPr>
+        <p:blipFill>
+          <a:blip r:embed="rId2">
+            <a:extLst>
+              <a:ext uri="{28A0092B-C50C-407E-A947-70E740481C1C}">
+                <a14:useLocalDpi xmlns:a14="http://schemas.microsoft.com/office/drawing/2010/main" val="0"/>
+              </a:ext>
+            </a:extLst>
+          </a:blip>
+          <a:stretch>
+            <a:fillRect/>
+          </a:stretch>
+        </p:blipFill>
+        <p:spPr>
+          <a:xfrm>
+            <a:off x="1122218" y="314634"/>
+            <a:ext cx="4727733" cy="2896158"/>
+          </a:xfrm>
+          <a:prstGeom prst="rect">
+            <a:avLst/>
+          </a:prstGeom>
+        </p:spPr>
+      </p:pic>
+      <p:pic>
+        <p:nvPicPr>
+          <p:cNvPr id="6" name="Picture 5">
+            <a:extLst>
+              <a:ext uri="{FF2B5EF4-FFF2-40B4-BE49-F238E27FC236}">
+                <a16:creationId xmlns:a16="http://schemas.microsoft.com/office/drawing/2014/main" id="{DEBC49C9-026B-7CE1-1FFF-E18B76A89484}"/>
+              </a:ext>
+            </a:extLst>
+          </p:cNvPr>
+          <p:cNvPicPr>
+            <a:picLocks noChangeAspect="1"/>
+          </p:cNvPicPr>
+          <p:nvPr/>
+        </p:nvPicPr>
+        <p:blipFill>
+          <a:blip r:embed="rId3">
+            <a:extLst>
+              <a:ext uri="{28A0092B-C50C-407E-A947-70E740481C1C}">
+                <a14:useLocalDpi xmlns:a14="http://schemas.microsoft.com/office/drawing/2010/main" val="0"/>
+              </a:ext>
+            </a:extLst>
+          </a:blip>
+          <a:stretch>
+            <a:fillRect/>
+          </a:stretch>
+        </p:blipFill>
+        <p:spPr>
+          <a:xfrm>
+            <a:off x="6342050" y="314633"/>
+            <a:ext cx="5129513" cy="2896158"/>
+          </a:xfrm>
+          <a:prstGeom prst="rect">
+            <a:avLst/>
+          </a:prstGeom>
+        </p:spPr>
+      </p:pic>
+      <p:pic>
+        <p:nvPicPr>
+          <p:cNvPr id="8" name="Picture 7">
+            <a:extLst>
+              <a:ext uri="{FF2B5EF4-FFF2-40B4-BE49-F238E27FC236}">
+                <a16:creationId xmlns:a16="http://schemas.microsoft.com/office/drawing/2014/main" id="{75EBBA86-DD72-ED3D-981A-D6C8DEB63B6B}"/>
+              </a:ext>
+            </a:extLst>
+          </p:cNvPr>
+          <p:cNvPicPr>
+            <a:picLocks noChangeAspect="1"/>
+          </p:cNvPicPr>
+          <p:nvPr/>
+        </p:nvPicPr>
+        <p:blipFill>
+          <a:blip r:embed="rId2">
+            <a:extLst>
+              <a:ext uri="{28A0092B-C50C-407E-A947-70E740481C1C}">
+                <a14:useLocalDpi xmlns:a14="http://schemas.microsoft.com/office/drawing/2010/main" val="0"/>
+              </a:ext>
+            </a:extLst>
+          </a:blip>
+          <a:stretch>
+            <a:fillRect/>
+          </a:stretch>
+        </p:blipFill>
+        <p:spPr>
+          <a:xfrm>
+            <a:off x="3753114" y="3210791"/>
+            <a:ext cx="5177872" cy="2896158"/>
+          </a:xfrm>
+          <a:prstGeom prst="rect">
+            <a:avLst/>
+          </a:prstGeom>
+        </p:spPr>
+      </p:pic>
+    </p:spTree>
+    <p:extLst>
+      <p:ext uri="{BB962C8B-B14F-4D97-AF65-F5344CB8AC3E}">
+        <p14:creationId xmlns:p14="http://schemas.microsoft.com/office/powerpoint/2010/main" val="2593290594"/>
+      </p:ext>
+    </p:extLst>
+  </p:cSld>
+  <p:clrMapOvr>
+    <a:masterClrMapping/>
+  </p:clrMapOvr>
+</p:sld>
+</file>
+
+<file path=ppt/slides/slide9.xml><?xml version="1.0" encoding="utf-8"?>
 <p:sld xmlns:a="http://schemas.openxmlformats.org/drawingml/2006/main" xmlns:r="http://schemas.openxmlformats.org/officeDocument/2006/relationships" xmlns:p="http://schemas.openxmlformats.org/presentationml/2006/main">
   <p:cSld>
     <p:spTree>
@@ -18837,218 +19124,6 @@
     <p:extLst>
       <p:ext uri="{BB962C8B-B14F-4D97-AF65-F5344CB8AC3E}">
         <p14:creationId xmlns:p14="http://schemas.microsoft.com/office/powerpoint/2010/main" val="3377478377"/>
-      </p:ext>
-    </p:extLst>
-  </p:cSld>
-  <p:clrMapOvr>
-    <a:masterClrMapping/>
-  </p:clrMapOvr>
-  <mc:AlternateContent xmlns:mc="http://schemas.openxmlformats.org/markup-compatibility/2006" xmlns:p14="http://schemas.microsoft.com/office/powerpoint/2010/main">
-    <mc:Choice Requires="p14">
-      <p:transition spd="med" p14:dur="700">
-        <p:fade/>
-      </p:transition>
-    </mc:Choice>
-    <mc:Fallback xmlns="">
-      <p:transition spd="med">
-        <p:fade/>
-      </p:transition>
-    </mc:Fallback>
-  </mc:AlternateContent>
-</p:sld>
-</file>
-
-<file path=ppt/slides/slide9.xml><?xml version="1.0" encoding="utf-8"?>
-<p:sld xmlns:a="http://schemas.openxmlformats.org/drawingml/2006/main" xmlns:r="http://schemas.openxmlformats.org/officeDocument/2006/relationships" xmlns:p="http://schemas.openxmlformats.org/presentationml/2006/main">
-  <p:cSld>
-    <p:spTree>
-      <p:nvGrpSpPr>
-        <p:cNvPr id="1" name=""/>
-        <p:cNvGrpSpPr/>
-        <p:nvPr/>
-      </p:nvGrpSpPr>
-      <p:grpSpPr>
-        <a:xfrm>
-          <a:off x="0" y="0"/>
-          <a:ext cx="0" cy="0"/>
-          <a:chOff x="0" y="0"/>
-          <a:chExt cx="0" cy="0"/>
-        </a:xfrm>
-      </p:grpSpPr>
-      <p:sp>
-        <p:nvSpPr>
-          <p:cNvPr id="4" name="Text Placeholder 3">
-            <a:extLst>
-              <a:ext uri="{FF2B5EF4-FFF2-40B4-BE49-F238E27FC236}">
-                <a16:creationId xmlns:a16="http://schemas.microsoft.com/office/drawing/2014/main" id="{AE016588-9575-44B2-BAA3-5937B6A9EDA0}"/>
-              </a:ext>
-            </a:extLst>
-          </p:cNvPr>
-          <p:cNvSpPr>
-            <a:spLocks noGrp="1"/>
-          </p:cNvSpPr>
-          <p:nvPr>
-            <p:ph type="body" sz="quarter" idx="10"/>
-          </p:nvPr>
-        </p:nvSpPr>
-        <p:spPr/>
-        <p:txBody>
-          <a:bodyPr/>
-          <a:lstStyle/>
-          <a:p>
-            <a:pPr marL="342900" indent="-342900" algn="just">
-              <a:buFont typeface="Arial" panose="020B0604020202020204" pitchFamily="34" charset="0"/>
-              <a:buChar char="•"/>
-            </a:pPr>
-            <a:r>
-              <a:rPr lang="en-US" sz="2000" dirty="0"/>
-              <a:t>We can see that Trial store 77 sales for March, and April exceeds 95% threshold of control store. Same goes to store 86 sales March month. Whereas trial store 88 sales increase is insignificant.</a:t>
-            </a:r>
-          </a:p>
-        </p:txBody>
-      </p:sp>
-      <p:pic>
-        <p:nvPicPr>
-          <p:cNvPr id="2" name="Picture 1">
-            <a:extLst>
-              <a:ext uri="{FF2B5EF4-FFF2-40B4-BE49-F238E27FC236}">
-                <a16:creationId xmlns:a16="http://schemas.microsoft.com/office/drawing/2014/main" id="{63E30F50-ED63-4179-A426-2CF2BA3316E2}"/>
-              </a:ext>
-            </a:extLst>
-          </p:cNvPr>
-          <p:cNvPicPr>
-            <a:picLocks noChangeAspect="1"/>
-          </p:cNvPicPr>
-          <p:nvPr/>
-        </p:nvPicPr>
-        <p:blipFill>
-          <a:blip r:embed="rId2"/>
-          <a:stretch>
-            <a:fillRect/>
-          </a:stretch>
-        </p:blipFill>
-        <p:spPr>
-          <a:xfrm>
-            <a:off x="12305402" y="0"/>
-            <a:ext cx="1993565" cy="1822862"/>
-          </a:xfrm>
-          <a:prstGeom prst="rect">
-            <a:avLst/>
-          </a:prstGeom>
-        </p:spPr>
-      </p:pic>
-      <p:pic>
-        <p:nvPicPr>
-          <p:cNvPr id="5" name="Picture 4">
-            <a:extLst>
-              <a:ext uri="{FF2B5EF4-FFF2-40B4-BE49-F238E27FC236}">
-                <a16:creationId xmlns:a16="http://schemas.microsoft.com/office/drawing/2014/main" id="{61AD6269-F0E5-6D6B-DB9E-F08CFCFABF72}"/>
-              </a:ext>
-            </a:extLst>
-          </p:cNvPr>
-          <p:cNvPicPr>
-            <a:picLocks noChangeAspect="1"/>
-          </p:cNvPicPr>
-          <p:nvPr/>
-        </p:nvPicPr>
-        <p:blipFill>
-          <a:blip r:embed="rId3">
-            <a:extLst>
-              <a:ext uri="{28A0092B-C50C-407E-A947-70E740481C1C}">
-                <a14:useLocalDpi xmlns:a14="http://schemas.microsoft.com/office/drawing/2010/main" val="0"/>
-              </a:ext>
-            </a:extLst>
-          </a:blip>
-          <a:stretch>
-            <a:fillRect/>
-          </a:stretch>
-        </p:blipFill>
-        <p:spPr>
-          <a:xfrm>
-            <a:off x="805058" y="1832249"/>
-            <a:ext cx="3639123" cy="3003180"/>
-          </a:xfrm>
-          <a:prstGeom prst="rect">
-            <a:avLst/>
-          </a:prstGeom>
-        </p:spPr>
-      </p:pic>
-      <p:pic>
-        <p:nvPicPr>
-          <p:cNvPr id="7" name="Picture 6">
-            <a:extLst>
-              <a:ext uri="{FF2B5EF4-FFF2-40B4-BE49-F238E27FC236}">
-                <a16:creationId xmlns:a16="http://schemas.microsoft.com/office/drawing/2014/main" id="{FF62F176-59DB-FB24-4F78-079291FF0A45}"/>
-              </a:ext>
-            </a:extLst>
-          </p:cNvPr>
-          <p:cNvPicPr>
-            <a:picLocks noChangeAspect="1"/>
-          </p:cNvPicPr>
-          <p:nvPr/>
-        </p:nvPicPr>
-        <p:blipFill>
-          <a:blip r:embed="rId4">
-            <a:extLst>
-              <a:ext uri="{28A0092B-C50C-407E-A947-70E740481C1C}">
-                <a14:useLocalDpi xmlns:a14="http://schemas.microsoft.com/office/drawing/2010/main" val="0"/>
-              </a:ext>
-            </a:extLst>
-          </a:blip>
-          <a:stretch>
-            <a:fillRect/>
-          </a:stretch>
-        </p:blipFill>
-        <p:spPr>
-          <a:xfrm>
-            <a:off x="4689987" y="1832248"/>
-            <a:ext cx="3639123" cy="3003181"/>
-          </a:xfrm>
-          <a:prstGeom prst="rect">
-            <a:avLst/>
-          </a:prstGeom>
-        </p:spPr>
-      </p:pic>
-      <p:pic>
-        <p:nvPicPr>
-          <p:cNvPr id="9" name="Picture 8">
-            <a:extLst>
-              <a:ext uri="{FF2B5EF4-FFF2-40B4-BE49-F238E27FC236}">
-                <a16:creationId xmlns:a16="http://schemas.microsoft.com/office/drawing/2014/main" id="{627C353B-0987-E11E-6753-BE2CE5A68E57}"/>
-              </a:ext>
-            </a:extLst>
-          </p:cNvPr>
-          <p:cNvPicPr>
-            <a:picLocks noChangeAspect="1"/>
-          </p:cNvPicPr>
-          <p:nvPr/>
-        </p:nvPicPr>
-        <p:blipFill>
-          <a:blip r:embed="rId5">
-            <a:extLst>
-              <a:ext uri="{28A0092B-C50C-407E-A947-70E740481C1C}">
-                <a14:useLocalDpi xmlns:a14="http://schemas.microsoft.com/office/drawing/2010/main" val="0"/>
-              </a:ext>
-            </a:extLst>
-          </a:blip>
-          <a:stretch>
-            <a:fillRect/>
-          </a:stretch>
-        </p:blipFill>
-        <p:spPr>
-          <a:xfrm>
-            <a:off x="8423239" y="1832248"/>
-            <a:ext cx="3639123" cy="3003181"/>
-          </a:xfrm>
-          <a:prstGeom prst="rect">
-            <a:avLst/>
-          </a:prstGeom>
-        </p:spPr>
-      </p:pic>
-    </p:spTree>
-    <p:extLst>
-      <p:ext uri="{BB962C8B-B14F-4D97-AF65-F5344CB8AC3E}">
-        <p14:creationId xmlns:p14="http://schemas.microsoft.com/office/powerpoint/2010/main" val="523037342"/>
       </p:ext>
     </p:extLst>
   </p:cSld>
